--- a/ML Project (ECG analysis).pptx
+++ b/ML Project (ECG analysis).pptx
@@ -7,7 +7,7 @@
   <p:sldIdLst>
     <p:sldId id="256" r:id="rId2"/>
     <p:sldId id="257" r:id="rId3"/>
-    <p:sldId id="258" r:id="rId4"/>
+    <p:sldId id="263" r:id="rId4"/>
     <p:sldId id="259" r:id="rId5"/>
     <p:sldId id="260" r:id="rId6"/>
     <p:sldId id="261" r:id="rId7"/>
@@ -110,6 +110,11 @@
       </a:defRPr>
     </a:lvl9pPr>
   </p:defaultTextStyle>
+  <p:extLst>
+    <p:ext uri="{EFAFB233-063F-42B5-8137-9DF3F51BA10A}">
+      <p15:sldGuideLst xmlns:p15="http://schemas.microsoft.com/office/powerpoint/2012/main"/>
+    </p:ext>
+  </p:extLst>
 </p:presentation>
 </file>
 
@@ -208,7 +213,7 @@
           <a:effectLst/>
           <a:extLst>
             <a:ext uri="{91240B29-F687-4f45-9708-019B960494DF}">
-              <a14:hiddenLine xmlns:a14="http://schemas.microsoft.com/office/drawing/2010/main" xmlns="" w="9525">
+              <a14:hiddenLine xmlns="" xmlns:a14="http://schemas.microsoft.com/office/drawing/2010/main" w="9525">
                 <a:solidFill>
                   <a:srgbClr val="000000"/>
                 </a:solidFill>
@@ -401,7 +406,7 @@
             <a:fld id="{08B9EBBA-996F-894A-B54A-D6246ED52CEA}" type="datetimeFigureOut">
               <a:rPr lang="en-US" dirty="0"/>
               <a:pPr/>
-              <a:t>11/27/2018</a:t>
+              <a:t>11/30/2018</a:t>
             </a:fld>
             <a:endParaRPr lang="en-US" dirty="0"/>
           </a:p>
@@ -716,7 +721,7 @@
             <a:fld id="{18C79C5D-2A6F-F04D-97DA-BEF2467B64E4}" type="datetimeFigureOut">
               <a:rPr lang="en-US" dirty="0"/>
               <a:pPr/>
-              <a:t>11/27/2018</a:t>
+              <a:t>11/30/2018</a:t>
             </a:fld>
             <a:endParaRPr lang="en-US" dirty="0"/>
           </a:p>
@@ -1201,7 +1206,7 @@
             <a:fld id="{8DFA1846-DA80-1C48-A609-854EA85C59AD}" type="datetimeFigureOut">
               <a:rPr lang="en-US" dirty="0"/>
               <a:pPr/>
-              <a:t>11/27/2018</a:t>
+              <a:t>11/30/2018</a:t>
             </a:fld>
             <a:endParaRPr lang="en-US" dirty="0"/>
           </a:p>
@@ -1567,7 +1572,7 @@
             <a:fld id="{FBF54567-0DE4-3F47-BF90-CB84690072F9}" type="datetimeFigureOut">
               <a:rPr lang="en-US" dirty="0"/>
               <a:pPr/>
-              <a:t>11/27/2018</a:t>
+              <a:t>11/30/2018</a:t>
             </a:fld>
             <a:endParaRPr lang="en-US" dirty="0"/>
           </a:p>
@@ -1718,7 +1723,7 @@
           <a:ln/>
           <a:extLst>
             <a:ext uri="{91240B29-F687-4f45-9708-019B960494DF}">
-              <a14:hiddenLine xmlns:a14="http://schemas.microsoft.com/office/drawing/2010/main" xmlns="" w="9525">
+              <a14:hiddenLine xmlns="" xmlns:a14="http://schemas.microsoft.com/office/drawing/2010/main" w="9525">
                 <a:solidFill>
                   <a:srgbClr val="000000"/>
                 </a:solidFill>
@@ -1837,7 +1842,7 @@
             <a:fld id="{C6C52C72-DE31-F449-A4ED-4C594FD91407}" type="datetimeFigureOut">
               <a:rPr lang="en-US" dirty="0"/>
               <a:pPr/>
-              <a:t>11/27/2018</a:t>
+              <a:t>11/30/2018</a:t>
             </a:fld>
             <a:endParaRPr lang="en-US" dirty="0"/>
           </a:p>
@@ -1990,7 +1995,7 @@
           <a:ln/>
           <a:extLst>
             <a:ext uri="{91240B29-F687-4f45-9708-019B960494DF}">
-              <a14:hiddenLine xmlns:a14="http://schemas.microsoft.com/office/drawing/2010/main" xmlns="" w="9525">
+              <a14:hiddenLine xmlns="" xmlns:a14="http://schemas.microsoft.com/office/drawing/2010/main" w="9525">
                 <a:solidFill>
                   <a:srgbClr val="000000"/>
                 </a:solidFill>
@@ -2119,7 +2124,7 @@
             <a:fld id="{ED62726E-379B-B349-9EED-81ED093FA806}" type="datetimeFigureOut">
               <a:rPr lang="en-US" dirty="0"/>
               <a:pPr/>
-              <a:t>11/27/2018</a:t>
+              <a:t>11/30/2018</a:t>
             </a:fld>
             <a:endParaRPr lang="en-US" dirty="0"/>
           </a:p>
@@ -2270,7 +2275,7 @@
           <a:ln/>
           <a:extLst>
             <a:ext uri="{91240B29-F687-4f45-9708-019B960494DF}">
-              <a14:hiddenLine xmlns:a14="http://schemas.microsoft.com/office/drawing/2010/main" xmlns="" w="9525">
+              <a14:hiddenLine xmlns="" xmlns:a14="http://schemas.microsoft.com/office/drawing/2010/main" w="9525">
                 <a:solidFill>
                   <a:srgbClr val="000000"/>
                 </a:solidFill>
@@ -2399,7 +2404,7 @@
             <a:fld id="{9B3A1323-8D79-1946-B0D7-40001CF92E9D}" type="datetimeFigureOut">
               <a:rPr lang="en-US" dirty="0"/>
               <a:pPr/>
-              <a:t>11/27/2018</a:t>
+              <a:t>11/30/2018</a:t>
             </a:fld>
             <a:endParaRPr lang="en-US" dirty="0"/>
           </a:p>
@@ -2739,7 +2744,7 @@
             <a:fld id="{8DFA1846-DA80-1C48-A609-854EA85C59AD}" type="datetimeFigureOut">
               <a:rPr lang="en-US" dirty="0"/>
               <a:pPr/>
-              <a:t>11/27/2018</a:t>
+              <a:t>11/30/2018</a:t>
             </a:fld>
             <a:endParaRPr lang="en-US" dirty="0"/>
           </a:p>
@@ -2890,7 +2895,7 @@
           <a:ln/>
           <a:extLst>
             <a:ext uri="{91240B29-F687-4f45-9708-019B960494DF}">
-              <a14:hiddenLine xmlns:a14="http://schemas.microsoft.com/office/drawing/2010/main" xmlns="" w="9525">
+              <a14:hiddenLine xmlns="" xmlns:a14="http://schemas.microsoft.com/office/drawing/2010/main" w="9525">
                 <a:solidFill>
                   <a:srgbClr val="000000"/>
                 </a:solidFill>
@@ -3075,7 +3080,7 @@
             <a:fld id="{57302355-E14B-8545-A8F8-0FE83CC9D524}" type="datetimeFigureOut">
               <a:rPr lang="en-US" dirty="0"/>
               <a:pPr/>
-              <a:t>11/27/2018</a:t>
+              <a:t>11/30/2018</a:t>
             </a:fld>
             <a:endParaRPr lang="en-US" dirty="0"/>
           </a:p>
@@ -3226,7 +3231,7 @@
           <a:ln/>
           <a:extLst>
             <a:ext uri="{91240B29-F687-4f45-9708-019B960494DF}">
-              <a14:hiddenLine xmlns:a14="http://schemas.microsoft.com/office/drawing/2010/main" xmlns="" w="9525">
+              <a14:hiddenLine xmlns="" xmlns:a14="http://schemas.microsoft.com/office/drawing/2010/main" w="9525">
                 <a:solidFill>
                   <a:srgbClr val="000000"/>
                 </a:solidFill>
@@ -3549,7 +3554,7 @@
             <a:fld id="{02640F58-564D-2B4F-AE67-E407BA4FCF45}" type="datetimeFigureOut">
               <a:rPr lang="en-US" dirty="0"/>
               <a:pPr/>
-              <a:t>11/27/2018</a:t>
+              <a:t>11/30/2018</a:t>
             </a:fld>
             <a:endParaRPr lang="en-US" dirty="0"/>
           </a:p>
@@ -3700,7 +3705,7 @@
           <a:ln/>
           <a:extLst>
             <a:ext uri="{91240B29-F687-4f45-9708-019B960494DF}">
-              <a14:hiddenLine xmlns:a14="http://schemas.microsoft.com/office/drawing/2010/main" xmlns="" w="9525">
+              <a14:hiddenLine xmlns="" xmlns:a14="http://schemas.microsoft.com/office/drawing/2010/main" w="9525">
                 <a:solidFill>
                   <a:srgbClr val="000000"/>
                 </a:solidFill>
@@ -3767,7 +3772,7 @@
             <a:fld id="{F13A34C8-038E-2045-AF43-DF7DBB8E0E9E}" type="datetimeFigureOut">
               <a:rPr lang="en-US" dirty="0"/>
               <a:pPr/>
-              <a:t>11/27/2018</a:t>
+              <a:t>11/30/2018</a:t>
             </a:fld>
             <a:endParaRPr lang="en-US" dirty="0"/>
           </a:p>
@@ -3859,7 +3864,7 @@
             <a:fld id="{8818C68F-D26B-8F47-958C-23B49CF8A634}" type="datetimeFigureOut">
               <a:rPr lang="en-US" dirty="0"/>
               <a:pPr/>
-              <a:t>11/27/2018</a:t>
+              <a:t>11/30/2018</a:t>
             </a:fld>
             <a:endParaRPr lang="en-US" dirty="0"/>
           </a:p>
@@ -4123,7 +4128,7 @@
           <a:ln/>
           <a:extLst>
             <a:ext uri="{91240B29-F687-4f45-9708-019B960494DF}">
-              <a14:hiddenLine xmlns:a14="http://schemas.microsoft.com/office/drawing/2010/main" xmlns="" w="9525">
+              <a14:hiddenLine xmlns="" xmlns:a14="http://schemas.microsoft.com/office/drawing/2010/main" w="9525">
                 <a:solidFill>
                   <a:srgbClr val="000000"/>
                 </a:solidFill>
@@ -4323,7 +4328,7 @@
             <a:fld id="{D0DF5E60-9974-AC48-9591-99C2BB44B7CF}" type="datetimeFigureOut">
               <a:rPr lang="en-US" dirty="0"/>
               <a:pPr/>
-              <a:t>11/27/2018</a:t>
+              <a:t>11/30/2018</a:t>
             </a:fld>
             <a:endParaRPr lang="en-US" dirty="0"/>
           </a:p>
@@ -4633,7 +4638,7 @@
             <a:fld id="{18C79C5D-2A6F-F04D-97DA-BEF2467B64E4}" type="datetimeFigureOut">
               <a:rPr lang="en-US" dirty="0"/>
               <a:pPr/>
-              <a:t>11/27/2018</a:t>
+              <a:t>11/30/2018</a:t>
             </a:fld>
             <a:endParaRPr lang="en-US" dirty="0"/>
           </a:p>
@@ -4900,7 +4905,7 @@
             <a:fld id="{09B482E8-6E0E-1B4F-B1FD-C69DB9E858D9}" type="datetimeFigureOut">
               <a:rPr lang="en-US" dirty="0"/>
               <a:pPr/>
-              <a:t>11/27/2018</a:t>
+              <a:t>11/30/2018</a:t>
             </a:fld>
             <a:endParaRPr lang="en-US" dirty="0"/>
           </a:p>
@@ -5953,14 +5958,6 @@
 <file path=ppt/slides/slide3.xml><?xml version="1.0" encoding="utf-8"?>
 <p:sld xmlns:a="http://schemas.openxmlformats.org/drawingml/2006/main" xmlns:r="http://schemas.openxmlformats.org/officeDocument/2006/relationships" xmlns:p="http://schemas.openxmlformats.org/presentationml/2006/main">
   <p:cSld>
-    <p:bg>
-      <p:bgPr>
-        <a:solidFill>
-          <a:schemeClr val="bg2"/>
-        </a:solidFill>
-        <a:effectLst/>
-      </p:bgPr>
-    </p:bg>
     <p:spTree>
       <p:nvGrpSpPr>
         <p:cNvPr id="1" name=""/>
@@ -5977,476 +5974,66 @@
       </p:grpSpPr>
       <p:sp>
         <p:nvSpPr>
-          <p:cNvPr id="41" name="Rectangle 34">
+          <p:cNvPr id="2" name="Заголовок 1">
             <a:extLst>
               <a:ext uri="{FF2B5EF4-FFF2-40B4-BE49-F238E27FC236}">
-                <a16:creationId xmlns:a16="http://schemas.microsoft.com/office/drawing/2014/main" id="{F8E56204-E9C7-46D9-93AC-C0853A870D71}"/>
-              </a:ext>
-              <a:ext uri="{C183D7F6-B498-43B3-948B-1728B52AA6E4}">
-                <adec:decorative xmlns:adec="http://schemas.microsoft.com/office/drawing/2017/decorative" val="1"/>
+                <a16:creationId xmlns:a16="http://schemas.microsoft.com/office/drawing/2014/main" id="{EAF8FA52-5BCE-4A32-BAAA-31EDC79F447A}"/>
               </a:ext>
             </a:extLst>
           </p:cNvPr>
           <p:cNvSpPr>
-            <a:spLocks noGrp="1" noRot="1" noChangeAspect="1" noMove="1" noResize="1" noEditPoints="1" noAdjustHandles="1" noChangeArrowheads="1" noChangeShapeType="1" noTextEdit="1"/>
-          </p:cNvSpPr>
-          <p:nvPr>
-            <p:extLst>
-              <p:ext uri="{386F3935-93C4-4BCD-93E2-E3B085C9AB24}">
-                <p16:designElem xmlns:p16="http://schemas.microsoft.com/office/powerpoint/2015/main" val="1"/>
-              </p:ext>
-            </p:extLst>
-          </p:nvPr>
-        </p:nvSpPr>
-        <p:spPr>
-          <a:xfrm>
-            <a:off x="0" y="0"/>
-            <a:ext cx="12188952" cy="6858000"/>
-          </a:xfrm>
-          <a:prstGeom prst="rect">
-            <a:avLst/>
-          </a:prstGeom>
-          <a:solidFill>
-            <a:schemeClr val="tx1"/>
-          </a:solidFill>
-          <a:ln>
-            <a:noFill/>
-          </a:ln>
-        </p:spPr>
-        <p:style>
-          <a:lnRef idx="2">
-            <a:schemeClr val="accent1">
-              <a:shade val="50000"/>
-            </a:schemeClr>
-          </a:lnRef>
-          <a:fillRef idx="1">
-            <a:schemeClr val="accent1"/>
-          </a:fillRef>
-          <a:effectRef idx="0">
-            <a:schemeClr val="accent1"/>
-          </a:effectRef>
-          <a:fontRef idx="minor">
-            <a:schemeClr val="lt1"/>
-          </a:fontRef>
-        </p:style>
-        <p:txBody>
-          <a:bodyPr rtlCol="0" anchor="ctr"/>
-          <a:lstStyle/>
-          <a:p>
-            <a:pPr algn="ctr"/>
-            <a:endParaRPr lang="en-US"/>
-          </a:p>
-        </p:txBody>
-      </p:sp>
-      <p:sp>
-        <p:nvSpPr>
-          <p:cNvPr id="42" name="Freeform 23">
+            <a:spLocks noGrp="1"/>
+          </p:cNvSpPr>
+          <p:nvPr>
+            <p:ph type="title"/>
+          </p:nvPr>
+        </p:nvSpPr>
+        <p:spPr/>
+        <p:txBody>
+          <a:bodyPr/>
+          <a:lstStyle/>
+          <a:p>
+            <a:r>
+              <a:rPr lang="en-US" dirty="0"/>
+              <a:t>Data Set</a:t>
+            </a:r>
+            <a:endParaRPr lang="ru-RU" dirty="0"/>
+          </a:p>
+        </p:txBody>
+      </p:sp>
+      <p:pic>
+        <p:nvPicPr>
+          <p:cNvPr id="5" name="Объект 4">
             <a:extLst>
               <a:ext uri="{FF2B5EF4-FFF2-40B4-BE49-F238E27FC236}">
-                <a16:creationId xmlns:a16="http://schemas.microsoft.com/office/drawing/2014/main" id="{E8263133-4241-473B-939B-53EB008F36C3}"/>
-              </a:ext>
-              <a:ext uri="{C183D7F6-B498-43B3-948B-1728B52AA6E4}">
-                <adec:decorative xmlns:adec="http://schemas.microsoft.com/office/drawing/2017/decorative" val="1"/>
-              </a:ext>
-            </a:extLst>
-          </p:cNvPr>
-          <p:cNvSpPr>
-            <a:spLocks noGrp="1" noRot="1" noChangeAspect="1" noMove="1" noResize="1" noEditPoints="1" noAdjustHandles="1" noChangeArrowheads="1" noChangeShapeType="1" noTextEdit="1"/>
-          </p:cNvSpPr>
-          <p:nvPr>
-            <p:extLst>
-              <p:ext uri="{386F3935-93C4-4BCD-93E2-E3B085C9AB24}">
-                <p16:designElem xmlns:p16="http://schemas.microsoft.com/office/powerpoint/2015/main" val="1"/>
-              </p:ext>
-            </p:extLst>
-          </p:nvPr>
-        </p:nvSpPr>
-        <p:spPr bwMode="white">
-          <a:xfrm>
-            <a:off x="0" y="0"/>
-            <a:ext cx="4637005" cy="6858000"/>
-          </a:xfrm>
-          <a:custGeom>
-            <a:avLst/>
-            <a:gdLst>
-              <a:gd name="connsiteX0" fmla="*/ 0 w 4637005"/>
-              <a:gd name="connsiteY0" fmla="*/ 0 h 6858000"/>
-              <a:gd name="connsiteX1" fmla="*/ 4637005 w 4637005"/>
-              <a:gd name="connsiteY1" fmla="*/ 0 h 6858000"/>
-              <a:gd name="connsiteX2" fmla="*/ 4637005 w 4637005"/>
-              <a:gd name="connsiteY2" fmla="*/ 1900238 h 6858000"/>
-              <a:gd name="connsiteX3" fmla="*/ 4266589 w 4637005"/>
-              <a:gd name="connsiteY3" fmla="*/ 2178050 h 6858000"/>
-              <a:gd name="connsiteX4" fmla="*/ 4262355 w 4637005"/>
-              <a:gd name="connsiteY4" fmla="*/ 2184400 h 6858000"/>
-              <a:gd name="connsiteX5" fmla="*/ 4256005 w 4637005"/>
-              <a:gd name="connsiteY5" fmla="*/ 2193925 h 6858000"/>
-              <a:gd name="connsiteX6" fmla="*/ 4249655 w 4637005"/>
-              <a:gd name="connsiteY6" fmla="*/ 2201863 h 6858000"/>
-              <a:gd name="connsiteX7" fmla="*/ 4249655 w 4637005"/>
-              <a:gd name="connsiteY7" fmla="*/ 2211388 h 6858000"/>
-              <a:gd name="connsiteX8" fmla="*/ 4249655 w 4637005"/>
-              <a:gd name="connsiteY8" fmla="*/ 2220913 h 6858000"/>
-              <a:gd name="connsiteX9" fmla="*/ 4256005 w 4637005"/>
-              <a:gd name="connsiteY9" fmla="*/ 2228850 h 6858000"/>
-              <a:gd name="connsiteX10" fmla="*/ 4262355 w 4637005"/>
-              <a:gd name="connsiteY10" fmla="*/ 2238375 h 6858000"/>
-              <a:gd name="connsiteX11" fmla="*/ 4266589 w 4637005"/>
-              <a:gd name="connsiteY11" fmla="*/ 2244725 h 6858000"/>
-              <a:gd name="connsiteX12" fmla="*/ 4637005 w 4637005"/>
-              <a:gd name="connsiteY12" fmla="*/ 2522538 h 6858000"/>
-              <a:gd name="connsiteX13" fmla="*/ 4637005 w 4637005"/>
-              <a:gd name="connsiteY13" fmla="*/ 6858000 h 6858000"/>
-              <a:gd name="connsiteX14" fmla="*/ 0 w 4637005"/>
-              <a:gd name="connsiteY14" fmla="*/ 6858000 h 6858000"/>
-            </a:gdLst>
-            <a:ahLst/>
-            <a:cxnLst>
-              <a:cxn ang="0">
-                <a:pos x="connsiteX0" y="connsiteY0"/>
-              </a:cxn>
-              <a:cxn ang="0">
-                <a:pos x="connsiteX1" y="connsiteY1"/>
-              </a:cxn>
-              <a:cxn ang="0">
-                <a:pos x="connsiteX2" y="connsiteY2"/>
-              </a:cxn>
-              <a:cxn ang="0">
-                <a:pos x="connsiteX3" y="connsiteY3"/>
-              </a:cxn>
-              <a:cxn ang="0">
-                <a:pos x="connsiteX4" y="connsiteY4"/>
-              </a:cxn>
-              <a:cxn ang="0">
-                <a:pos x="connsiteX5" y="connsiteY5"/>
-              </a:cxn>
-              <a:cxn ang="0">
-                <a:pos x="connsiteX6" y="connsiteY6"/>
-              </a:cxn>
-              <a:cxn ang="0">
-                <a:pos x="connsiteX7" y="connsiteY7"/>
-              </a:cxn>
-              <a:cxn ang="0">
-                <a:pos x="connsiteX8" y="connsiteY8"/>
-              </a:cxn>
-              <a:cxn ang="0">
-                <a:pos x="connsiteX9" y="connsiteY9"/>
-              </a:cxn>
-              <a:cxn ang="0">
-                <a:pos x="connsiteX10" y="connsiteY10"/>
-              </a:cxn>
-              <a:cxn ang="0">
-                <a:pos x="connsiteX11" y="connsiteY11"/>
-              </a:cxn>
-              <a:cxn ang="0">
-                <a:pos x="connsiteX12" y="connsiteY12"/>
-              </a:cxn>
-              <a:cxn ang="0">
-                <a:pos x="connsiteX13" y="connsiteY13"/>
-              </a:cxn>
-              <a:cxn ang="0">
-                <a:pos x="connsiteX14" y="connsiteY14"/>
-              </a:cxn>
-            </a:cxnLst>
-            <a:rect l="l" t="t" r="r" b="b"/>
-            <a:pathLst>
-              <a:path w="4637005" h="6858000">
-                <a:moveTo>
-                  <a:pt x="0" y="0"/>
-                </a:moveTo>
-                <a:lnTo>
-                  <a:pt x="4637005" y="0"/>
-                </a:lnTo>
-                <a:lnTo>
-                  <a:pt x="4637005" y="1900238"/>
-                </a:lnTo>
-                <a:lnTo>
-                  <a:pt x="4266589" y="2178050"/>
-                </a:lnTo>
-                <a:lnTo>
-                  <a:pt x="4262355" y="2184400"/>
-                </a:lnTo>
-                <a:lnTo>
-                  <a:pt x="4256005" y="2193925"/>
-                </a:lnTo>
-                <a:lnTo>
-                  <a:pt x="4249655" y="2201863"/>
-                </a:lnTo>
-                <a:lnTo>
-                  <a:pt x="4249655" y="2211388"/>
-                </a:lnTo>
-                <a:lnTo>
-                  <a:pt x="4249655" y="2220913"/>
-                </a:lnTo>
-                <a:lnTo>
-                  <a:pt x="4256005" y="2228850"/>
-                </a:lnTo>
-                <a:lnTo>
-                  <a:pt x="4262355" y="2238375"/>
-                </a:lnTo>
-                <a:lnTo>
-                  <a:pt x="4266589" y="2244725"/>
-                </a:lnTo>
-                <a:lnTo>
-                  <a:pt x="4637005" y="2522538"/>
-                </a:lnTo>
-                <a:lnTo>
-                  <a:pt x="4637005" y="6858000"/>
-                </a:lnTo>
-                <a:lnTo>
-                  <a:pt x="0" y="6858000"/>
-                </a:lnTo>
-                <a:close/>
-              </a:path>
-            </a:pathLst>
-          </a:custGeom>
-          <a:solidFill>
-            <a:schemeClr val="bg1">
-              <a:lumMod val="85000"/>
-              <a:lumOff val="15000"/>
-            </a:schemeClr>
-          </a:solidFill>
-          <a:ln>
-            <a:noFill/>
-          </a:ln>
-        </p:spPr>
-        <p:style>
-          <a:lnRef idx="2">
-            <a:schemeClr val="accent1">
-              <a:shade val="50000"/>
-            </a:schemeClr>
-          </a:lnRef>
-          <a:fillRef idx="1">
-            <a:schemeClr val="accent1"/>
-          </a:fillRef>
-          <a:effectRef idx="0">
-            <a:schemeClr val="accent1"/>
-          </a:effectRef>
-          <a:fontRef idx="minor">
-            <a:schemeClr val="lt1"/>
-          </a:fontRef>
-        </p:style>
-        <p:txBody>
-          <a:bodyPr wrap="square" rtlCol="0" anchor="ctr">
-            <a:noAutofit/>
-          </a:bodyPr>
-          <a:lstStyle/>
-          <a:p>
-            <a:pPr algn="ctr"/>
-            <a:endParaRPr lang="en-US"/>
-          </a:p>
-        </p:txBody>
-      </p:sp>
-      <p:sp>
-        <p:nvSpPr>
-          <p:cNvPr id="2" name="Заголовок 1">
-            <a:extLst>
-              <a:ext uri="{FF2B5EF4-FFF2-40B4-BE49-F238E27FC236}">
-                <a16:creationId xmlns:a16="http://schemas.microsoft.com/office/drawing/2014/main" id="{5DE8E833-559A-47BB-BEFA-E21041334526}"/>
-              </a:ext>
-            </a:extLst>
-          </p:cNvPr>
-          <p:cNvSpPr>
-            <a:spLocks noGrp="1"/>
-          </p:cNvSpPr>
-          <p:nvPr>
-            <p:ph type="title"/>
-          </p:nvPr>
-        </p:nvSpPr>
-        <p:spPr>
-          <a:xfrm>
-            <a:off x="810001" y="447188"/>
-            <a:ext cx="3413084" cy="1559412"/>
-          </a:xfrm>
-        </p:spPr>
-        <p:txBody>
-          <a:bodyPr>
-            <a:normAutofit/>
-          </a:bodyPr>
-          <a:lstStyle/>
-          <a:p>
-            <a:r>
-              <a:rPr lang="en-US" sz="2700"/>
-              <a:t>Clusterization: MiniBatchKMeans (sklearn)</a:t>
-            </a:r>
-            <a:endParaRPr lang="ru-RU" sz="2700"/>
-          </a:p>
-        </p:txBody>
-      </p:sp>
-      <p:sp>
-        <p:nvSpPr>
-          <p:cNvPr id="3" name="Объект 2">
-            <a:extLst>
-              <a:ext uri="{FF2B5EF4-FFF2-40B4-BE49-F238E27FC236}">
-                <a16:creationId xmlns:a16="http://schemas.microsoft.com/office/drawing/2014/main" id="{13617857-5D7E-40D3-9F8C-EAF5CF6582B6}"/>
-              </a:ext>
-            </a:extLst>
-          </p:cNvPr>
-          <p:cNvSpPr>
-            <a:spLocks noGrp="1"/>
-          </p:cNvSpPr>
-          <p:nvPr>
-            <p:ph idx="1"/>
-          </p:nvPr>
-        </p:nvSpPr>
-        <p:spPr>
-          <a:xfrm>
-            <a:off x="818713" y="2413000"/>
-            <a:ext cx="3404372" cy="3632200"/>
-          </a:xfrm>
-        </p:spPr>
-        <p:txBody>
-          <a:bodyPr>
-            <a:normAutofit/>
-          </a:bodyPr>
-          <a:lstStyle/>
-          <a:p>
-            <a:r>
-              <a:rPr lang="en-US" sz="1600"/>
-              <a:t>Speed!</a:t>
-            </a:r>
-          </a:p>
-          <a:p>
-            <a:endParaRPr lang="en-US" sz="1600"/>
-          </a:p>
-          <a:p>
-            <a:endParaRPr lang="en-US" sz="1600"/>
-          </a:p>
-          <a:p>
-            <a:endParaRPr lang="en-US" sz="1600"/>
-          </a:p>
-        </p:txBody>
-      </p:sp>
-      <p:sp>
-        <p:nvSpPr>
-          <p:cNvPr id="43" name="Rounded Rectangle 17">
-            <a:extLst>
-              <a:ext uri="{FF2B5EF4-FFF2-40B4-BE49-F238E27FC236}">
-                <a16:creationId xmlns:a16="http://schemas.microsoft.com/office/drawing/2014/main" id="{E828DFEF-9E41-4781-B5C3-A747A9456AC5}"/>
-              </a:ext>
-              <a:ext uri="{C183D7F6-B498-43B3-948B-1728B52AA6E4}">
-                <adec:decorative xmlns:adec="http://schemas.microsoft.com/office/drawing/2017/decorative" val="1"/>
-              </a:ext>
-            </a:extLst>
-          </p:cNvPr>
-          <p:cNvSpPr>
-            <a:spLocks noGrp="1" noRot="1" noChangeAspect="1" noMove="1" noResize="1" noEditPoints="1" noAdjustHandles="1" noChangeArrowheads="1" noChangeShapeType="1" noTextEdit="1"/>
-          </p:cNvSpPr>
-          <p:nvPr>
-            <p:extLst>
-              <p:ext uri="{386F3935-93C4-4BCD-93E2-E3B085C9AB24}">
-                <p16:designElem xmlns:p16="http://schemas.microsoft.com/office/powerpoint/2015/main" val="1"/>
-              </p:ext>
-            </p:extLst>
-          </p:nvPr>
-        </p:nvSpPr>
-        <p:spPr>
-          <a:xfrm>
-            <a:off x="5278945" y="958640"/>
-            <a:ext cx="6269591" cy="4945244"/>
-          </a:xfrm>
-          <a:prstGeom prst="roundRect">
-            <a:avLst>
-              <a:gd name="adj" fmla="val 3513"/>
-            </a:avLst>
-          </a:prstGeom>
-          <a:solidFill>
-            <a:schemeClr val="tx1"/>
-          </a:solidFill>
-          <a:ln>
-            <a:solidFill>
-              <a:schemeClr val="accent1"/>
-            </a:solidFill>
-          </a:ln>
-          <a:effectLst/>
-        </p:spPr>
-        <p:style>
-          <a:lnRef idx="2">
-            <a:schemeClr val="accent1">
-              <a:shade val="50000"/>
-            </a:schemeClr>
-          </a:lnRef>
-          <a:fillRef idx="1">
-            <a:schemeClr val="accent1"/>
-          </a:fillRef>
-          <a:effectRef idx="0">
-            <a:schemeClr val="accent1"/>
-          </a:effectRef>
-          <a:fontRef idx="minor">
-            <a:schemeClr val="lt1"/>
-          </a:fontRef>
-        </p:style>
-        <p:txBody>
-          <a:bodyPr rtlCol="0" anchor="ctr"/>
-          <a:lstStyle/>
-          <a:p>
-            <a:pPr algn="ctr"/>
-            <a:endParaRPr lang="en-US"/>
-          </a:p>
-        </p:txBody>
-      </p:sp>
-      <p:pic>
-        <p:nvPicPr>
-          <p:cNvPr id="13" name="Рисунок 12">
-            <a:extLst>
-              <a:ext uri="{FF2B5EF4-FFF2-40B4-BE49-F238E27FC236}">
-                <a16:creationId xmlns:a16="http://schemas.microsoft.com/office/drawing/2014/main" id="{C6153547-166A-443E-9713-4DCE49F3238F}"/>
+                <a16:creationId xmlns:a16="http://schemas.microsoft.com/office/drawing/2014/main" id="{F81301FD-4749-4403-97A5-9A251679B2D6}"/>
               </a:ext>
             </a:extLst>
           </p:cNvPr>
           <p:cNvPicPr>
-            <a:picLocks noChangeAspect="1"/>
+            <a:picLocks noGrp="1" noChangeAspect="1"/>
           </p:cNvPicPr>
-          <p:nvPr/>
+          <p:nvPr>
+            <p:ph idx="1"/>
+          </p:nvPr>
         </p:nvPicPr>
-        <p:blipFill rotWithShape="1">
+        <p:blipFill>
           <a:blip r:embed="rId2"/>
-          <a:srcRect l="14631" r="37245" b="2"/>
-          <a:stretch/>
+          <a:stretch>
+            <a:fillRect/>
+          </a:stretch>
         </p:blipFill>
         <p:spPr>
           <a:xfrm>
-            <a:off x="5599594" y="1274969"/>
-            <a:ext cx="2732283" cy="4314879"/>
+            <a:off x="1774298" y="2241550"/>
+            <a:ext cx="8643404" cy="4454574"/>
           </a:xfrm>
-          <a:prstGeom prst="rect">
-            <a:avLst/>
-          </a:prstGeom>
-        </p:spPr>
-      </p:pic>
-      <p:pic>
-        <p:nvPicPr>
-          <p:cNvPr id="5" name="Рисунок 4" descr="Изображение выглядит как снимок экрана&#10;&#10;Описание создано автоматически">
-            <a:extLst>
-              <a:ext uri="{FF2B5EF4-FFF2-40B4-BE49-F238E27FC236}">
-                <a16:creationId xmlns:a16="http://schemas.microsoft.com/office/drawing/2014/main" id="{7DF55176-735A-4560-9246-8F9F9CECB341}"/>
-              </a:ext>
-            </a:extLst>
-          </p:cNvPr>
-          <p:cNvPicPr>
-            <a:picLocks noChangeAspect="1"/>
-          </p:cNvPicPr>
-          <p:nvPr/>
-        </p:nvPicPr>
-        <p:blipFill rotWithShape="1">
-          <a:blip r:embed="rId3"/>
-          <a:srcRect l="207" r="83175"/>
-          <a:stretch/>
-        </p:blipFill>
-        <p:spPr>
-          <a:xfrm>
-            <a:off x="8495603" y="1274969"/>
-            <a:ext cx="2731522" cy="4314879"/>
-          </a:xfrm>
-          <a:prstGeom prst="rect">
-            <a:avLst/>
-          </a:prstGeom>
         </p:spPr>
       </p:pic>
     </p:spTree>
     <p:extLst>
       <p:ext uri="{BB962C8B-B14F-4D97-AF65-F5344CB8AC3E}">
-        <p14:creationId xmlns:p14="http://schemas.microsoft.com/office/powerpoint/2010/main" val="4222768133"/>
+        <p14:creationId xmlns:p14="http://schemas.microsoft.com/office/powerpoint/2010/main" val="4224048428"/>
       </p:ext>
     </p:extLst>
   </p:cSld>
@@ -6771,7 +6358,7 @@
         </p:blipFill>
         <p:spPr>
           <a:xfrm>
-            <a:off x="6687186" y="484633"/>
+            <a:off x="6687186" y="437008"/>
             <a:ext cx="4915316" cy="2875460"/>
           </a:xfrm>
           <a:prstGeom prst="rect">

--- a/ML Project (ECG analysis).pptx
+++ b/ML Project (ECG analysis).pptx
@@ -8,10 +8,12 @@
     <p:sldId id="256" r:id="rId2"/>
     <p:sldId id="257" r:id="rId3"/>
     <p:sldId id="263" r:id="rId4"/>
-    <p:sldId id="259" r:id="rId5"/>
-    <p:sldId id="260" r:id="rId6"/>
-    <p:sldId id="261" r:id="rId7"/>
-    <p:sldId id="262" r:id="rId8"/>
+    <p:sldId id="264" r:id="rId5"/>
+    <p:sldId id="259" r:id="rId6"/>
+    <p:sldId id="260" r:id="rId7"/>
+    <p:sldId id="261" r:id="rId8"/>
+    <p:sldId id="262" r:id="rId9"/>
+    <p:sldId id="265" r:id="rId10"/>
   </p:sldIdLst>
   <p:sldSz cx="12192000" cy="6858000"/>
   <p:notesSz cx="6858000" cy="9144000"/>
@@ -213,7 +215,7 @@
           <a:effectLst/>
           <a:extLst>
             <a:ext uri="{91240B29-F687-4f45-9708-019B960494DF}">
-              <a14:hiddenLine xmlns="" xmlns:a14="http://schemas.microsoft.com/office/drawing/2010/main" w="9525">
+              <a14:hiddenLine xmlns:a14="http://schemas.microsoft.com/office/drawing/2010/main" xmlns="" w="9525">
                 <a:solidFill>
                   <a:srgbClr val="000000"/>
                 </a:solidFill>
@@ -406,7 +408,7 @@
             <a:fld id="{08B9EBBA-996F-894A-B54A-D6246ED52CEA}" type="datetimeFigureOut">
               <a:rPr lang="en-US" dirty="0"/>
               <a:pPr/>
-              <a:t>11/30/2018</a:t>
+              <a:t>12/2/2018</a:t>
             </a:fld>
             <a:endParaRPr lang="en-US" dirty="0"/>
           </a:p>
@@ -721,7 +723,7 @@
             <a:fld id="{18C79C5D-2A6F-F04D-97DA-BEF2467B64E4}" type="datetimeFigureOut">
               <a:rPr lang="en-US" dirty="0"/>
               <a:pPr/>
-              <a:t>11/30/2018</a:t>
+              <a:t>12/2/2018</a:t>
             </a:fld>
             <a:endParaRPr lang="en-US" dirty="0"/>
           </a:p>
@@ -1206,7 +1208,7 @@
             <a:fld id="{8DFA1846-DA80-1C48-A609-854EA85C59AD}" type="datetimeFigureOut">
               <a:rPr lang="en-US" dirty="0"/>
               <a:pPr/>
-              <a:t>11/30/2018</a:t>
+              <a:t>12/2/2018</a:t>
             </a:fld>
             <a:endParaRPr lang="en-US" dirty="0"/>
           </a:p>
@@ -1572,7 +1574,7 @@
             <a:fld id="{FBF54567-0DE4-3F47-BF90-CB84690072F9}" type="datetimeFigureOut">
               <a:rPr lang="en-US" dirty="0"/>
               <a:pPr/>
-              <a:t>11/30/2018</a:t>
+              <a:t>12/2/2018</a:t>
             </a:fld>
             <a:endParaRPr lang="en-US" dirty="0"/>
           </a:p>
@@ -1723,7 +1725,7 @@
           <a:ln/>
           <a:extLst>
             <a:ext uri="{91240B29-F687-4f45-9708-019B960494DF}">
-              <a14:hiddenLine xmlns="" xmlns:a14="http://schemas.microsoft.com/office/drawing/2010/main" w="9525">
+              <a14:hiddenLine xmlns:a14="http://schemas.microsoft.com/office/drawing/2010/main" xmlns="" w="9525">
                 <a:solidFill>
                   <a:srgbClr val="000000"/>
                 </a:solidFill>
@@ -1842,7 +1844,7 @@
             <a:fld id="{C6C52C72-DE31-F449-A4ED-4C594FD91407}" type="datetimeFigureOut">
               <a:rPr lang="en-US" dirty="0"/>
               <a:pPr/>
-              <a:t>11/30/2018</a:t>
+              <a:t>12/2/2018</a:t>
             </a:fld>
             <a:endParaRPr lang="en-US" dirty="0"/>
           </a:p>
@@ -1995,7 +1997,7 @@
           <a:ln/>
           <a:extLst>
             <a:ext uri="{91240B29-F687-4f45-9708-019B960494DF}">
-              <a14:hiddenLine xmlns="" xmlns:a14="http://schemas.microsoft.com/office/drawing/2010/main" w="9525">
+              <a14:hiddenLine xmlns:a14="http://schemas.microsoft.com/office/drawing/2010/main" xmlns="" w="9525">
                 <a:solidFill>
                   <a:srgbClr val="000000"/>
                 </a:solidFill>
@@ -2124,7 +2126,7 @@
             <a:fld id="{ED62726E-379B-B349-9EED-81ED093FA806}" type="datetimeFigureOut">
               <a:rPr lang="en-US" dirty="0"/>
               <a:pPr/>
-              <a:t>11/30/2018</a:t>
+              <a:t>12/2/2018</a:t>
             </a:fld>
             <a:endParaRPr lang="en-US" dirty="0"/>
           </a:p>
@@ -2275,7 +2277,7 @@
           <a:ln/>
           <a:extLst>
             <a:ext uri="{91240B29-F687-4f45-9708-019B960494DF}">
-              <a14:hiddenLine xmlns="" xmlns:a14="http://schemas.microsoft.com/office/drawing/2010/main" w="9525">
+              <a14:hiddenLine xmlns:a14="http://schemas.microsoft.com/office/drawing/2010/main" xmlns="" w="9525">
                 <a:solidFill>
                   <a:srgbClr val="000000"/>
                 </a:solidFill>
@@ -2404,7 +2406,7 @@
             <a:fld id="{9B3A1323-8D79-1946-B0D7-40001CF92E9D}" type="datetimeFigureOut">
               <a:rPr lang="en-US" dirty="0"/>
               <a:pPr/>
-              <a:t>11/30/2018</a:t>
+              <a:t>12/2/2018</a:t>
             </a:fld>
             <a:endParaRPr lang="en-US" dirty="0"/>
           </a:p>
@@ -2744,7 +2746,7 @@
             <a:fld id="{8DFA1846-DA80-1C48-A609-854EA85C59AD}" type="datetimeFigureOut">
               <a:rPr lang="en-US" dirty="0"/>
               <a:pPr/>
-              <a:t>11/30/2018</a:t>
+              <a:t>12/2/2018</a:t>
             </a:fld>
             <a:endParaRPr lang="en-US" dirty="0"/>
           </a:p>
@@ -2895,7 +2897,7 @@
           <a:ln/>
           <a:extLst>
             <a:ext uri="{91240B29-F687-4f45-9708-019B960494DF}">
-              <a14:hiddenLine xmlns="" xmlns:a14="http://schemas.microsoft.com/office/drawing/2010/main" w="9525">
+              <a14:hiddenLine xmlns:a14="http://schemas.microsoft.com/office/drawing/2010/main" xmlns="" w="9525">
                 <a:solidFill>
                   <a:srgbClr val="000000"/>
                 </a:solidFill>
@@ -3080,7 +3082,7 @@
             <a:fld id="{57302355-E14B-8545-A8F8-0FE83CC9D524}" type="datetimeFigureOut">
               <a:rPr lang="en-US" dirty="0"/>
               <a:pPr/>
-              <a:t>11/30/2018</a:t>
+              <a:t>12/2/2018</a:t>
             </a:fld>
             <a:endParaRPr lang="en-US" dirty="0"/>
           </a:p>
@@ -3231,7 +3233,7 @@
           <a:ln/>
           <a:extLst>
             <a:ext uri="{91240B29-F687-4f45-9708-019B960494DF}">
-              <a14:hiddenLine xmlns="" xmlns:a14="http://schemas.microsoft.com/office/drawing/2010/main" w="9525">
+              <a14:hiddenLine xmlns:a14="http://schemas.microsoft.com/office/drawing/2010/main" xmlns="" w="9525">
                 <a:solidFill>
                   <a:srgbClr val="000000"/>
                 </a:solidFill>
@@ -3554,7 +3556,7 @@
             <a:fld id="{02640F58-564D-2B4F-AE67-E407BA4FCF45}" type="datetimeFigureOut">
               <a:rPr lang="en-US" dirty="0"/>
               <a:pPr/>
-              <a:t>11/30/2018</a:t>
+              <a:t>12/2/2018</a:t>
             </a:fld>
             <a:endParaRPr lang="en-US" dirty="0"/>
           </a:p>
@@ -3705,7 +3707,7 @@
           <a:ln/>
           <a:extLst>
             <a:ext uri="{91240B29-F687-4f45-9708-019B960494DF}">
-              <a14:hiddenLine xmlns="" xmlns:a14="http://schemas.microsoft.com/office/drawing/2010/main" w="9525">
+              <a14:hiddenLine xmlns:a14="http://schemas.microsoft.com/office/drawing/2010/main" xmlns="" w="9525">
                 <a:solidFill>
                   <a:srgbClr val="000000"/>
                 </a:solidFill>
@@ -3772,7 +3774,7 @@
             <a:fld id="{F13A34C8-038E-2045-AF43-DF7DBB8E0E9E}" type="datetimeFigureOut">
               <a:rPr lang="en-US" dirty="0"/>
               <a:pPr/>
-              <a:t>11/30/2018</a:t>
+              <a:t>12/2/2018</a:t>
             </a:fld>
             <a:endParaRPr lang="en-US" dirty="0"/>
           </a:p>
@@ -3864,7 +3866,7 @@
             <a:fld id="{8818C68F-D26B-8F47-958C-23B49CF8A634}" type="datetimeFigureOut">
               <a:rPr lang="en-US" dirty="0"/>
               <a:pPr/>
-              <a:t>11/30/2018</a:t>
+              <a:t>12/2/2018</a:t>
             </a:fld>
             <a:endParaRPr lang="en-US" dirty="0"/>
           </a:p>
@@ -4128,7 +4130,7 @@
           <a:ln/>
           <a:extLst>
             <a:ext uri="{91240B29-F687-4f45-9708-019B960494DF}">
-              <a14:hiddenLine xmlns="" xmlns:a14="http://schemas.microsoft.com/office/drawing/2010/main" w="9525">
+              <a14:hiddenLine xmlns:a14="http://schemas.microsoft.com/office/drawing/2010/main" xmlns="" w="9525">
                 <a:solidFill>
                   <a:srgbClr val="000000"/>
                 </a:solidFill>
@@ -4328,7 +4330,7 @@
             <a:fld id="{D0DF5E60-9974-AC48-9591-99C2BB44B7CF}" type="datetimeFigureOut">
               <a:rPr lang="en-US" dirty="0"/>
               <a:pPr/>
-              <a:t>11/30/2018</a:t>
+              <a:t>12/2/2018</a:t>
             </a:fld>
             <a:endParaRPr lang="en-US" dirty="0"/>
           </a:p>
@@ -4638,7 +4640,7 @@
             <a:fld id="{18C79C5D-2A6F-F04D-97DA-BEF2467B64E4}" type="datetimeFigureOut">
               <a:rPr lang="en-US" dirty="0"/>
               <a:pPr/>
-              <a:t>11/30/2018</a:t>
+              <a:t>12/2/2018</a:t>
             </a:fld>
             <a:endParaRPr lang="en-US" dirty="0"/>
           </a:p>
@@ -4905,7 +4907,7 @@
             <a:fld id="{09B482E8-6E0E-1B4F-B1FD-C69DB9E858D9}" type="datetimeFigureOut">
               <a:rPr lang="en-US" dirty="0"/>
               <a:pPr/>
-              <a:t>11/30/2018</a:t>
+              <a:t>12/2/2018</a:t>
             </a:fld>
             <a:endParaRPr lang="en-US" dirty="0"/>
           </a:p>
@@ -6068,6 +6070,231 @@
           <a:chExt cx="0" cy="0"/>
         </a:xfrm>
       </p:grpSpPr>
+      <p:sp>
+        <p:nvSpPr>
+          <p:cNvPr id="10" name="Freeform 6">
+            <a:extLst>
+              <a:ext uri="{FF2B5EF4-FFF2-40B4-BE49-F238E27FC236}">
+                <a16:creationId xmlns:a16="http://schemas.microsoft.com/office/drawing/2014/main" id="{BFDA6284-4E06-4F93-9624-A49FE810F1C8}"/>
+              </a:ext>
+              <a:ext uri="{C183D7F6-B498-43B3-948B-1728B52AA6E4}">
+                <adec:decorative xmlns:adec="http://schemas.microsoft.com/office/drawing/2017/decorative" val="1"/>
+              </a:ext>
+            </a:extLst>
+          </p:cNvPr>
+          <p:cNvSpPr>
+            <a:spLocks noGrp="1" noRot="1" noChangeAspect="1" noMove="1" noResize="1" noEditPoints="1" noAdjustHandles="1" noChangeArrowheads="1" noChangeShapeType="1" noTextEdit="1"/>
+          </p:cNvSpPr>
+          <p:nvPr>
+            <p:extLst>
+              <p:ext uri="{386F3935-93C4-4BCD-93E2-E3B085C9AB24}">
+                <p16:designElem xmlns:p16="http://schemas.microsoft.com/office/powerpoint/2015/main" val="1"/>
+              </p:ext>
+            </p:extLst>
+          </p:nvPr>
+        </p:nvSpPr>
+        <p:spPr bwMode="auto">
+          <a:xfrm>
+            <a:off x="0" y="-3175"/>
+            <a:ext cx="12192000" cy="5203825"/>
+          </a:xfrm>
+          <a:custGeom>
+            <a:avLst/>
+            <a:gdLst/>
+            <a:ahLst/>
+            <a:cxnLst/>
+            <a:rect l="0" t="0" r="r" b="b"/>
+            <a:pathLst>
+              <a:path w="5760" h="3278">
+                <a:moveTo>
+                  <a:pt x="5760" y="0"/>
+                </a:moveTo>
+                <a:lnTo>
+                  <a:pt x="0" y="0"/>
+                </a:lnTo>
+                <a:lnTo>
+                  <a:pt x="0" y="3090"/>
+                </a:lnTo>
+                <a:lnTo>
+                  <a:pt x="943" y="3090"/>
+                </a:lnTo>
+                <a:lnTo>
+                  <a:pt x="1123" y="3270"/>
+                </a:lnTo>
+                <a:lnTo>
+                  <a:pt x="1123" y="3270"/>
+                </a:lnTo>
+                <a:lnTo>
+                  <a:pt x="1127" y="3272"/>
+                </a:lnTo>
+                <a:lnTo>
+                  <a:pt x="1133" y="3275"/>
+                </a:lnTo>
+                <a:lnTo>
+                  <a:pt x="1139" y="3278"/>
+                </a:lnTo>
+                <a:lnTo>
+                  <a:pt x="1144" y="3278"/>
+                </a:lnTo>
+                <a:lnTo>
+                  <a:pt x="1150" y="3278"/>
+                </a:lnTo>
+                <a:lnTo>
+                  <a:pt x="1155" y="3275"/>
+                </a:lnTo>
+                <a:lnTo>
+                  <a:pt x="1161" y="3272"/>
+                </a:lnTo>
+                <a:lnTo>
+                  <a:pt x="1165" y="3270"/>
+                </a:lnTo>
+                <a:lnTo>
+                  <a:pt x="1345" y="3090"/>
+                </a:lnTo>
+                <a:lnTo>
+                  <a:pt x="5760" y="3090"/>
+                </a:lnTo>
+                <a:lnTo>
+                  <a:pt x="5760" y="0"/>
+                </a:lnTo>
+                <a:close/>
+              </a:path>
+            </a:pathLst>
+          </a:custGeom>
+          <a:ln/>
+          <a:effectLst/>
+          <a:extLst>
+            <a:ext uri="{91240B29-F687-4f45-9708-019B960494DF}">
+              <a14:hiddenLine xmlns="" xmlns:a16="http://schemas.microsoft.com/office/drawing/2014/main" xmlns:p14="http://schemas.microsoft.com/office/powerpoint/2010/main" xmlns:a14="http://schemas.microsoft.com/office/drawing/2010/main" w="9525">
+                <a:solidFill>
+                  <a:srgbClr val="000000"/>
+                </a:solidFill>
+                <a:round/>
+                <a:headEnd/>
+                <a:tailEnd/>
+              </a14:hiddenLine>
+            </a:ext>
+          </a:extLst>
+        </p:spPr>
+        <p:style>
+          <a:lnRef idx="1">
+            <a:schemeClr val="accent1"/>
+          </a:lnRef>
+          <a:fillRef idx="3">
+            <a:schemeClr val="accent1"/>
+          </a:fillRef>
+          <a:effectRef idx="2">
+            <a:schemeClr val="accent1"/>
+          </a:effectRef>
+          <a:fontRef idx="minor">
+            <a:schemeClr val="lt1"/>
+          </a:fontRef>
+        </p:style>
+      </p:sp>
+      <p:sp>
+        <p:nvSpPr>
+          <p:cNvPr id="2" name="Заголовок 1">
+            <a:extLst>
+              <a:ext uri="{FF2B5EF4-FFF2-40B4-BE49-F238E27FC236}">
+                <a16:creationId xmlns:a16="http://schemas.microsoft.com/office/drawing/2014/main" id="{BF4BB5D4-A9F2-43D7-914B-99002533F2C4}"/>
+              </a:ext>
+            </a:extLst>
+          </p:cNvPr>
+          <p:cNvSpPr>
+            <a:spLocks noGrp="1"/>
+          </p:cNvSpPr>
+          <p:nvPr>
+            <p:ph type="title"/>
+          </p:nvPr>
+        </p:nvSpPr>
+        <p:spPr>
+          <a:xfrm>
+            <a:off x="810002" y="639097"/>
+            <a:ext cx="4961534" cy="3781101"/>
+          </a:xfrm>
+        </p:spPr>
+        <p:txBody>
+          <a:bodyPr vert="horz" lIns="91440" tIns="45720" rIns="91440" bIns="45720" rtlCol="0" anchor="b">
+            <a:normAutofit/>
+          </a:bodyPr>
+          <a:lstStyle/>
+          <a:p>
+            <a:r>
+              <a:rPr lang="en-US" sz="5400" dirty="0"/>
+              <a:t>Data Preparation</a:t>
+            </a:r>
+          </a:p>
+        </p:txBody>
+      </p:sp>
+      <p:pic>
+        <p:nvPicPr>
+          <p:cNvPr id="5" name="Объект 4" descr="Изображение выглядит как снимок экрана, текст&#10;&#10;Описание создано автоматически">
+            <a:extLst>
+              <a:ext uri="{FF2B5EF4-FFF2-40B4-BE49-F238E27FC236}">
+                <a16:creationId xmlns:a16="http://schemas.microsoft.com/office/drawing/2014/main" id="{CFD9B3A0-5AA7-4CD8-97AA-C77141C63099}"/>
+              </a:ext>
+            </a:extLst>
+          </p:cNvPr>
+          <p:cNvPicPr>
+            <a:picLocks noGrp="1" noChangeAspect="1"/>
+          </p:cNvPicPr>
+          <p:nvPr>
+            <p:ph idx="1"/>
+          </p:nvPr>
+        </p:nvPicPr>
+        <p:blipFill rotWithShape="1">
+          <a:blip r:embed="rId2"/>
+          <a:srcRect t="1202" r="3" b="3"/>
+          <a:stretch/>
+        </p:blipFill>
+        <p:spPr>
+          <a:xfrm>
+            <a:off x="6100916" y="10"/>
+            <a:ext cx="6091084" cy="6857990"/>
+          </a:xfrm>
+          <a:prstGeom prst="rect">
+            <a:avLst/>
+          </a:prstGeom>
+        </p:spPr>
+      </p:pic>
+    </p:spTree>
+    <p:extLst>
+      <p:ext uri="{BB962C8B-B14F-4D97-AF65-F5344CB8AC3E}">
+        <p14:creationId xmlns:p14="http://schemas.microsoft.com/office/powerpoint/2010/main" val="2134034556"/>
+      </p:ext>
+    </p:extLst>
+  </p:cSld>
+  <p:clrMapOvr>
+    <a:masterClrMapping/>
+  </p:clrMapOvr>
+</p:sld>
+</file>
+
+<file path=ppt/slides/slide5.xml><?xml version="1.0" encoding="utf-8"?>
+<p:sld xmlns:a="http://schemas.openxmlformats.org/drawingml/2006/main" xmlns:r="http://schemas.openxmlformats.org/officeDocument/2006/relationships" xmlns:p="http://schemas.openxmlformats.org/presentationml/2006/main">
+  <p:cSld>
+    <p:bg>
+      <p:bgPr>
+        <a:solidFill>
+          <a:schemeClr val="bg2"/>
+        </a:solidFill>
+        <a:effectLst/>
+      </p:bgPr>
+    </p:bg>
+    <p:spTree>
+      <p:nvGrpSpPr>
+        <p:cNvPr id="1" name=""/>
+        <p:cNvGrpSpPr/>
+        <p:nvPr/>
+      </p:nvGrpSpPr>
+      <p:grpSpPr>
+        <a:xfrm>
+          <a:off x="0" y="0"/>
+          <a:ext cx="0" cy="0"/>
+          <a:chOff x="0" y="0"/>
+          <a:chExt cx="0" cy="0"/>
+        </a:xfrm>
+      </p:grpSpPr>
       <p:sp useBgFill="1">
         <p:nvSpPr>
           <p:cNvPr id="19" name="Rectangle 18">
@@ -6439,7 +6666,7 @@
 </p:sld>
 </file>
 
-<file path=ppt/slides/slide5.xml><?xml version="1.0" encoding="utf-8"?>
+<file path=ppt/slides/slide6.xml><?xml version="1.0" encoding="utf-8"?>
 <p:sld xmlns:a="http://schemas.openxmlformats.org/drawingml/2006/main" xmlns:r="http://schemas.openxmlformats.org/officeDocument/2006/relationships" xmlns:p="http://schemas.openxmlformats.org/presentationml/2006/main">
   <p:cSld>
     <p:spTree>
@@ -6525,9 +6752,39 @@
         </p:blipFill>
         <p:spPr>
           <a:xfrm>
-            <a:off x="629942" y="2432169"/>
+            <a:off x="629942" y="2180242"/>
             <a:ext cx="5427500" cy="2708998"/>
           </a:xfrm>
+        </p:spPr>
+      </p:pic>
+      <p:pic>
+        <p:nvPicPr>
+          <p:cNvPr id="4" name="Рисунок 3" descr="Изображение выглядит как снимок экрана&#10;&#10;Описание создано автоматически">
+            <a:extLst>
+              <a:ext uri="{FF2B5EF4-FFF2-40B4-BE49-F238E27FC236}">
+                <a16:creationId xmlns:a16="http://schemas.microsoft.com/office/drawing/2014/main" id="{5F94F8FF-4427-45A7-9E33-468755650818}"/>
+              </a:ext>
+            </a:extLst>
+          </p:cNvPr>
+          <p:cNvPicPr>
+            <a:picLocks noChangeAspect="1"/>
+          </p:cNvPicPr>
+          <p:nvPr/>
+        </p:nvPicPr>
+        <p:blipFill>
+          <a:blip r:embed="rId3"/>
+          <a:stretch>
+            <a:fillRect/>
+          </a:stretch>
+        </p:blipFill>
+        <p:spPr>
+          <a:xfrm>
+            <a:off x="629942" y="5038529"/>
+            <a:ext cx="9247619" cy="1600000"/>
+          </a:xfrm>
+          <a:prstGeom prst="rect">
+            <a:avLst/>
+          </a:prstGeom>
         </p:spPr>
       </p:pic>
     </p:spTree>
@@ -6543,7 +6800,7 @@
 </p:sld>
 </file>
 
-<file path=ppt/slides/slide6.xml><?xml version="1.0" encoding="utf-8"?>
+<file path=ppt/slides/slide7.xml><?xml version="1.0" encoding="utf-8"?>
 <p:sld xmlns:a="http://schemas.openxmlformats.org/drawingml/2006/main" xmlns:r="http://schemas.openxmlformats.org/officeDocument/2006/relationships" xmlns:p="http://schemas.openxmlformats.org/presentationml/2006/main">
   <p:cSld>
     <p:spTree>
@@ -6636,7 +6893,7 @@
 </p:sld>
 </file>
 
-<file path=ppt/slides/slide7.xml><?xml version="1.0" encoding="utf-8"?>
+<file path=ppt/slides/slide8.xml><?xml version="1.0" encoding="utf-8"?>
 <p:sld xmlns:a="http://schemas.openxmlformats.org/drawingml/2006/main" xmlns:r="http://schemas.openxmlformats.org/officeDocument/2006/relationships" xmlns:p="http://schemas.openxmlformats.org/presentationml/2006/main">
   <p:cSld>
     <p:spTree>
@@ -6715,6 +6972,94 @@
     <p:extLst>
       <p:ext uri="{BB962C8B-B14F-4D97-AF65-F5344CB8AC3E}">
         <p14:creationId xmlns:p14="http://schemas.microsoft.com/office/powerpoint/2010/main" val="3473003492"/>
+      </p:ext>
+    </p:extLst>
+  </p:cSld>
+  <p:clrMapOvr>
+    <a:masterClrMapping/>
+  </p:clrMapOvr>
+</p:sld>
+</file>
+
+<file path=ppt/slides/slide9.xml><?xml version="1.0" encoding="utf-8"?>
+<p:sld xmlns:a="http://schemas.openxmlformats.org/drawingml/2006/main" xmlns:r="http://schemas.openxmlformats.org/officeDocument/2006/relationships" xmlns:p="http://schemas.openxmlformats.org/presentationml/2006/main">
+  <p:cSld>
+    <p:spTree>
+      <p:nvGrpSpPr>
+        <p:cNvPr id="1" name=""/>
+        <p:cNvGrpSpPr/>
+        <p:nvPr/>
+      </p:nvGrpSpPr>
+      <p:grpSpPr>
+        <a:xfrm>
+          <a:off x="0" y="0"/>
+          <a:ext cx="0" cy="0"/>
+          <a:chOff x="0" y="0"/>
+          <a:chExt cx="0" cy="0"/>
+        </a:xfrm>
+      </p:grpSpPr>
+      <p:sp>
+        <p:nvSpPr>
+          <p:cNvPr id="2" name="Заголовок 1">
+            <a:extLst>
+              <a:ext uri="{FF2B5EF4-FFF2-40B4-BE49-F238E27FC236}">
+                <a16:creationId xmlns:a16="http://schemas.microsoft.com/office/drawing/2014/main" id="{8FE98712-0F9E-47FC-B957-9FB0221F4F63}"/>
+              </a:ext>
+            </a:extLst>
+          </p:cNvPr>
+          <p:cNvSpPr>
+            <a:spLocks noGrp="1"/>
+          </p:cNvSpPr>
+          <p:nvPr>
+            <p:ph type="title"/>
+          </p:nvPr>
+        </p:nvSpPr>
+        <p:spPr/>
+        <p:txBody>
+          <a:bodyPr/>
+          <a:lstStyle/>
+          <a:p>
+            <a:r>
+              <a:rPr lang="en-US"/>
+              <a:t>Accuracy is 80%</a:t>
+            </a:r>
+            <a:endParaRPr lang="ru-RU" dirty="0"/>
+          </a:p>
+        </p:txBody>
+      </p:sp>
+      <p:pic>
+        <p:nvPicPr>
+          <p:cNvPr id="5" name="Объект 4">
+            <a:extLst>
+              <a:ext uri="{FF2B5EF4-FFF2-40B4-BE49-F238E27FC236}">
+                <a16:creationId xmlns:a16="http://schemas.microsoft.com/office/drawing/2014/main" id="{D04CA8CE-4BD2-47EF-99B3-93DF548B6DBA}"/>
+              </a:ext>
+            </a:extLst>
+          </p:cNvPr>
+          <p:cNvPicPr>
+            <a:picLocks noGrp="1" noChangeAspect="1"/>
+          </p:cNvPicPr>
+          <p:nvPr>
+            <p:ph idx="1"/>
+          </p:nvPr>
+        </p:nvPicPr>
+        <p:blipFill>
+          <a:blip r:embed="rId2"/>
+          <a:stretch>
+            <a:fillRect/>
+          </a:stretch>
+        </p:blipFill>
+        <p:spPr>
+          <a:xfrm>
+            <a:off x="1719743" y="2407057"/>
+            <a:ext cx="8113487" cy="5719691"/>
+          </a:xfrm>
+        </p:spPr>
+      </p:pic>
+    </p:spTree>
+    <p:extLst>
+      <p:ext uri="{BB962C8B-B14F-4D97-AF65-F5344CB8AC3E}">
+        <p14:creationId xmlns:p14="http://schemas.microsoft.com/office/powerpoint/2010/main" val="2601829435"/>
       </p:ext>
     </p:extLst>
   </p:cSld>
